--- a/wordpress.pptx
+++ b/wordpress.pptx
@@ -6801,6 +6801,55 @@
           </a:p>
         </p:txBody>
       </p:sp>
+      <p:sp>
+        <p:nvSpPr>
+          <p:cNvPr id="3" name="Szövegdoboz 2"/>
+          <p:cNvSpPr txBox="1"/>
+          <p:nvPr/>
+        </p:nvSpPr>
+        <p:spPr>
+          <a:xfrm>
+            <a:off x="6629400" y="5138928"/>
+            <a:ext cx="5266944" cy="1323439"/>
+          </a:xfrm>
+          <a:prstGeom prst="rect">
+            <a:avLst/>
+          </a:prstGeom>
+          <a:noFill/>
+        </p:spPr>
+        <p:txBody>
+          <a:bodyPr wrap="square" rtlCol="0">
+            <a:spAutoFit/>
+          </a:bodyPr>
+          <a:lstStyle/>
+          <a:p>
+            <a:r>
+              <a:rPr lang="hu-HU" sz="3200" b="1" i="1" dirty="0" smtClean="0"/>
+              <a:t>Készítette: Tóth </a:t>
+            </a:r>
+            <a:r>
+              <a:rPr lang="hu-HU" sz="3200" b="1" i="1" dirty="0" smtClean="0"/>
+              <a:t>Krisztián,</a:t>
+            </a:r>
+          </a:p>
+          <a:p>
+            <a:pPr>
+              <a:lnSpc>
+                <a:spcPct val="150000"/>
+              </a:lnSpc>
+            </a:pPr>
+            <a:r>
+              <a:rPr lang="hu-HU" sz="3200" b="1" i="1" dirty="0"/>
+              <a:t>	</a:t>
+            </a:r>
+            <a:r>
+              <a:rPr lang="hu-HU" sz="3200" b="1" i="1" dirty="0" smtClean="0"/>
+              <a:t>			 Kelemen Zsombor</a:t>
+            </a:r>
+            <a:endParaRPr lang="hu-HU" sz="3200" b="1" i="1" dirty="0"/>
+          </a:p>
+        </p:txBody>
+      </p:sp>
     </p:spTree>
     <p:extLst>
       <p:ext uri="{BB962C8B-B14F-4D97-AF65-F5344CB8AC3E}">
@@ -6811,13 +6860,13 @@
   <p:clrMapOvr>
     <a:masterClrMapping/>
   </p:clrMapOvr>
-  <mc:AlternateContent xmlns:mc="http://schemas.openxmlformats.org/markup-compatibility/2006">
-    <mc:Choice xmlns:p15="http://schemas.microsoft.com/office/powerpoint/2012/main" Requires="p15">
+  <mc:AlternateContent xmlns:mc="http://schemas.openxmlformats.org/markup-compatibility/2006" xmlns:p15="http://schemas.microsoft.com/office/powerpoint/2012/main">
+    <mc:Choice Requires="p15">
       <p:transition xmlns:p14="http://schemas.microsoft.com/office/powerpoint/2010/main" spd="slow" p14:dur="3500">
         <p15:prstTrans prst="curtains"/>
       </p:transition>
     </mc:Choice>
-    <mc:Fallback>
+    <mc:Fallback xmlns="">
       <p:transition spd="slow">
         <p:fade/>
       </p:transition>
@@ -6956,13 +7005,13 @@
   <p:clrMapOvr>
     <a:masterClrMapping/>
   </p:clrMapOvr>
-  <mc:AlternateContent xmlns:mc="http://schemas.openxmlformats.org/markup-compatibility/2006">
-    <mc:Choice xmlns:p15="http://schemas.microsoft.com/office/powerpoint/2012/main" Requires="p15">
+  <mc:AlternateContent xmlns:mc="http://schemas.openxmlformats.org/markup-compatibility/2006" xmlns:p15="http://schemas.microsoft.com/office/powerpoint/2012/main">
+    <mc:Choice Requires="p15">
       <p:transition xmlns:p14="http://schemas.microsoft.com/office/powerpoint/2010/main" spd="slow" p14:dur="2500">
         <p15:prstTrans prst="fracture"/>
       </p:transition>
     </mc:Choice>
-    <mc:Fallback>
+    <mc:Fallback xmlns="">
       <p:transition spd="slow">
         <p:fade/>
       </p:transition>
@@ -7215,13 +7264,13 @@
   <p:clrMapOvr>
     <a:masterClrMapping/>
   </p:clrMapOvr>
-  <mc:AlternateContent xmlns:mc="http://schemas.openxmlformats.org/markup-compatibility/2006">
-    <mc:Choice xmlns:p15="http://schemas.microsoft.com/office/powerpoint/2012/main" Requires="p15">
+  <mc:AlternateContent xmlns:mc="http://schemas.openxmlformats.org/markup-compatibility/2006" xmlns:p15="http://schemas.microsoft.com/office/powerpoint/2012/main">
+    <mc:Choice Requires="p15">
       <p:transition xmlns:p14="http://schemas.microsoft.com/office/powerpoint/2010/main" spd="slow" p14:dur="2000">
         <p15:prstTrans prst="crush"/>
       </p:transition>
     </mc:Choice>
-    <mc:Fallback>
+    <mc:Fallback xmlns="">
       <p:transition spd="slow">
         <p:fade/>
       </p:transition>
@@ -7799,13 +7848,13 @@
   <p:clrMapOvr>
     <a:masterClrMapping/>
   </p:clrMapOvr>
-  <mc:AlternateContent xmlns:mc="http://schemas.openxmlformats.org/markup-compatibility/2006">
-    <mc:Choice xmlns:p15="http://schemas.microsoft.com/office/powerpoint/2012/main" Requires="p15">
+  <mc:AlternateContent xmlns:mc="http://schemas.openxmlformats.org/markup-compatibility/2006" xmlns:p15="http://schemas.microsoft.com/office/powerpoint/2012/main">
+    <mc:Choice Requires="p15">
       <p:transition xmlns:p14="http://schemas.microsoft.com/office/powerpoint/2010/main" spd="slow" p14:dur="2000">
         <p15:prstTrans prst="wind"/>
       </p:transition>
     </mc:Choice>
-    <mc:Fallback>
+    <mc:Fallback xmlns="">
       <p:transition spd="slow">
         <p:fade/>
       </p:transition>
@@ -7950,13 +7999,13 @@
   <p:clrMapOvr>
     <a:masterClrMapping/>
   </p:clrMapOvr>
-  <mc:AlternateContent xmlns:mc="http://schemas.openxmlformats.org/markup-compatibility/2006">
-    <mc:Choice xmlns:p15="http://schemas.microsoft.com/office/powerpoint/2012/main" Requires="p15">
+  <mc:AlternateContent xmlns:mc="http://schemas.openxmlformats.org/markup-compatibility/2006" xmlns:p15="http://schemas.microsoft.com/office/powerpoint/2012/main">
+    <mc:Choice Requires="p15">
       <p:transition xmlns:p14="http://schemas.microsoft.com/office/powerpoint/2010/main" spd="slow" p14:dur="1250">
         <p15:prstTrans prst="airplane"/>
       </p:transition>
     </mc:Choice>
-    <mc:Fallback>
+    <mc:Fallback xmlns="">
       <p:transition spd="slow">
         <p:fade/>
       </p:transition>
@@ -8091,13 +8140,13 @@
   <p:clrMapOvr>
     <a:masterClrMapping/>
   </p:clrMapOvr>
-  <mc:AlternateContent xmlns:mc="http://schemas.openxmlformats.org/markup-compatibility/2006">
-    <mc:Choice xmlns:p15="http://schemas.microsoft.com/office/powerpoint/2012/main" Requires="p15">
+  <mc:AlternateContent xmlns:mc="http://schemas.openxmlformats.org/markup-compatibility/2006" xmlns:p15="http://schemas.microsoft.com/office/powerpoint/2012/main">
+    <mc:Choice Requires="p15">
       <p:transition xmlns:p14="http://schemas.microsoft.com/office/powerpoint/2010/main" spd="slow" p14:dur="2000">
         <p15:prstTrans prst="prestige"/>
       </p:transition>
     </mc:Choice>
-    <mc:Fallback>
+    <mc:Fallback xmlns="">
       <p:transition spd="slow">
         <p:fade/>
       </p:transition>
@@ -8154,7 +8203,11 @@
           <a:p>
             <a:r>
               <a:rPr lang="hu-HU" sz="4000" b="1" i="1" dirty="0" smtClean="0"/>
-              <a:t>Köszönjük a figyelmet!</a:t>
+              <a:t>Köszönjük </a:t>
+            </a:r>
+            <a:r>
+              <a:rPr lang="hu-HU" sz="4000" b="1" i="1" dirty="0" smtClean="0"/>
+              <a:t>a figyelmet!</a:t>
             </a:r>
             <a:endParaRPr lang="hu-HU" sz="4000" b="1" i="1" dirty="0"/>
           </a:p>
@@ -8170,13 +8223,13 @@
   <p:clrMapOvr>
     <a:masterClrMapping/>
   </p:clrMapOvr>
-  <mc:AlternateContent xmlns:mc="http://schemas.openxmlformats.org/markup-compatibility/2006">
-    <mc:Choice xmlns:p15="http://schemas.microsoft.com/office/powerpoint/2012/main" Requires="p15">
+  <mc:AlternateContent xmlns:mc="http://schemas.openxmlformats.org/markup-compatibility/2006" xmlns:p15="http://schemas.microsoft.com/office/powerpoint/2012/main">
+    <mc:Choice Requires="p15">
       <p:transition xmlns:p14="http://schemas.microsoft.com/office/powerpoint/2010/main" spd="slow" p14:dur="3250">
         <p15:prstTrans prst="origami"/>
       </p:transition>
     </mc:Choice>
-    <mc:Fallback>
+    <mc:Fallback xmlns="">
       <p:transition spd="slow">
         <p:fade/>
       </p:transition>
@@ -9262,9 +9315,16 @@
 <file path=customXml/itemProps3.xml><?xml version="1.0" encoding="utf-8"?>
 <ds:datastoreItem xmlns:ds="http://schemas.openxmlformats.org/officeDocument/2006/customXml" ds:itemID="{D7023227-530E-4024-91EF-312A851A758C}">
   <ds:schemaRefs>
+    <ds:schemaRef ds:uri="http://schemas.microsoft.com/office/2006/documentManagement/types"/>
+    <ds:schemaRef ds:uri="http://purl.org/dc/terms/"/>
+    <ds:schemaRef ds:uri="http://schemas.openxmlformats.org/package/2006/metadata/core-properties"/>
+    <ds:schemaRef ds:uri="16c05727-aa75-4e4a-9b5f-8a80a1165891"/>
+    <ds:schemaRef ds:uri="http://purl.org/dc/dcmitype/"/>
+    <ds:schemaRef ds:uri="http://schemas.microsoft.com/office/infopath/2007/PartnerControls"/>
+    <ds:schemaRef ds:uri="http://purl.org/dc/elements/1.1/"/>
     <ds:schemaRef ds:uri="http://schemas.microsoft.com/office/2006/metadata/properties"/>
-    <ds:schemaRef ds:uri="http://schemas.microsoft.com/office/infopath/2007/PartnerControls"/>
     <ds:schemaRef ds:uri="71af3243-3dd4-4a8d-8c0d-dd76da1f02a5"/>
+    <ds:schemaRef ds:uri="http://www.w3.org/XML/1998/namespace"/>
   </ds:schemaRefs>
 </ds:datastoreItem>
 </file>